--- a/apresentacao2.pptx
+++ b/apresentacao2.pptx
@@ -10,6 +10,11 @@
     <p:sldId id="258" r:id="rId5"/>
     <p:sldId id="259" r:id="rId6"/>
     <p:sldId id="260" r:id="rId7"/>
+    <p:sldId id="261" r:id="rId8"/>
+    <p:sldId id="262" r:id="rId9"/>
+    <p:sldId id="263" r:id="rId10"/>
+    <p:sldId id="264" r:id="rId11"/>
+    <p:sldId id="265" r:id="rId12"/>
   </p:sldIdLst>
   <p:sldSz cx="10080625" cy="7559675"/>
   <p:notesSz cx="7559675" cy="10691812"/>
@@ -68,7 +73,7 @@
         <p:spPr>
           <a:xfrm>
             <a:off x="504000" y="301320"/>
-            <a:ext cx="9071280" cy="1261800"/>
+            <a:ext cx="9070920" cy="1261440"/>
           </a:xfrm>
           <a:prstGeom prst="rect">
             <a:avLst/>
@@ -105,7 +110,7 @@
         <p:spPr>
           <a:xfrm>
             <a:off x="504000" y="1768680"/>
-            <a:ext cx="9072000" cy="2090880"/>
+            <a:ext cx="9071640" cy="2090880"/>
           </a:xfrm>
           <a:prstGeom prst="rect">
             <a:avLst/>
@@ -141,7 +146,7 @@
         <p:spPr>
           <a:xfrm>
             <a:off x="504000" y="4058640"/>
-            <a:ext cx="9072000" cy="2090880"/>
+            <a:ext cx="9071640" cy="2090880"/>
           </a:xfrm>
           <a:prstGeom prst="rect">
             <a:avLst/>
@@ -199,7 +204,7 @@
         <p:spPr>
           <a:xfrm>
             <a:off x="504000" y="301320"/>
-            <a:ext cx="9071280" cy="1261800"/>
+            <a:ext cx="9070920" cy="1261440"/>
           </a:xfrm>
           <a:prstGeom prst="rect">
             <a:avLst/>
@@ -402,7 +407,7 @@
         <p:spPr>
           <a:xfrm>
             <a:off x="504000" y="301320"/>
-            <a:ext cx="9071280" cy="1261800"/>
+            <a:ext cx="9070920" cy="1261440"/>
           </a:xfrm>
           <a:prstGeom prst="rect">
             <a:avLst/>
@@ -439,7 +444,7 @@
         <p:spPr>
           <a:xfrm>
             <a:off x="504000" y="1768680"/>
-            <a:ext cx="9072000" cy="4384080"/>
+            <a:ext cx="9071640" cy="4383720"/>
           </a:xfrm>
           <a:prstGeom prst="rect">
             <a:avLst/>
@@ -475,7 +480,7 @@
         <p:spPr>
           <a:xfrm>
             <a:off x="504000" y="1768680"/>
-            <a:ext cx="9072000" cy="4384080"/>
+            <a:ext cx="9071640" cy="4383720"/>
           </a:xfrm>
           <a:prstGeom prst="rect">
             <a:avLst/>
@@ -510,8 +515,8 @@
         </p:blipFill>
         <p:spPr>
           <a:xfrm>
-            <a:off x="2291400" y="1768680"/>
-            <a:ext cx="5497200" cy="4384080"/>
+            <a:off x="2291040" y="1768320"/>
+            <a:ext cx="5496840" cy="4383720"/>
           </a:xfrm>
           <a:prstGeom prst="rect">
             <a:avLst/>
@@ -533,8 +538,8 @@
         </p:blipFill>
         <p:spPr>
           <a:xfrm>
-            <a:off x="2291400" y="1768680"/>
-            <a:ext cx="5497200" cy="4384080"/>
+            <a:off x="2291040" y="1768320"/>
+            <a:ext cx="5496840" cy="4383720"/>
           </a:xfrm>
           <a:prstGeom prst="rect">
             <a:avLst/>
@@ -579,7 +584,7 @@
         <p:spPr>
           <a:xfrm>
             <a:off x="504000" y="301320"/>
-            <a:ext cx="9071280" cy="1261800"/>
+            <a:ext cx="9070920" cy="1261440"/>
           </a:xfrm>
           <a:prstGeom prst="rect">
             <a:avLst/>
@@ -616,7 +621,7 @@
         <p:spPr>
           <a:xfrm>
             <a:off x="504000" y="1768680"/>
-            <a:ext cx="9072000" cy="4384080"/>
+            <a:ext cx="9071640" cy="4383720"/>
           </a:xfrm>
           <a:prstGeom prst="rect">
             <a:avLst/>
@@ -675,7 +680,7 @@
         <p:spPr>
           <a:xfrm>
             <a:off x="504000" y="301320"/>
-            <a:ext cx="9071280" cy="1261800"/>
+            <a:ext cx="9070920" cy="1261440"/>
           </a:xfrm>
           <a:prstGeom prst="rect">
             <a:avLst/>
@@ -712,7 +717,7 @@
         <p:spPr>
           <a:xfrm>
             <a:off x="504000" y="1768680"/>
-            <a:ext cx="9072000" cy="4384080"/>
+            <a:ext cx="9071640" cy="4383720"/>
           </a:xfrm>
           <a:prstGeom prst="rect">
             <a:avLst/>
@@ -770,7 +775,7 @@
         <p:spPr>
           <a:xfrm>
             <a:off x="504000" y="301320"/>
-            <a:ext cx="9071280" cy="1261800"/>
+            <a:ext cx="9070920" cy="1261440"/>
           </a:xfrm>
           <a:prstGeom prst="rect">
             <a:avLst/>
@@ -807,7 +812,7 @@
         <p:spPr>
           <a:xfrm>
             <a:off x="504000" y="1768680"/>
-            <a:ext cx="4426920" cy="4384080"/>
+            <a:ext cx="4426920" cy="4383720"/>
           </a:xfrm>
           <a:prstGeom prst="rect">
             <a:avLst/>
@@ -843,7 +848,7 @@
         <p:spPr>
           <a:xfrm>
             <a:off x="5152680" y="1768680"/>
-            <a:ext cx="4426920" cy="4384080"/>
+            <a:ext cx="4426920" cy="4383720"/>
           </a:xfrm>
           <a:prstGeom prst="rect">
             <a:avLst/>
@@ -901,7 +906,7 @@
         <p:spPr>
           <a:xfrm>
             <a:off x="504000" y="301320"/>
-            <a:ext cx="9071280" cy="1261800"/>
+            <a:ext cx="9070920" cy="1261440"/>
           </a:xfrm>
           <a:prstGeom prst="rect">
             <a:avLst/>
@@ -960,7 +965,7 @@
         <p:spPr>
           <a:xfrm>
             <a:off x="504000" y="301320"/>
-            <a:ext cx="9071280" cy="5850360"/>
+            <a:ext cx="9070920" cy="5848560"/>
           </a:xfrm>
           <a:prstGeom prst="rect">
             <a:avLst/>
@@ -1019,7 +1024,7 @@
         <p:spPr>
           <a:xfrm>
             <a:off x="504000" y="301320"/>
-            <a:ext cx="9071280" cy="1261800"/>
+            <a:ext cx="9070920" cy="1261440"/>
           </a:xfrm>
           <a:prstGeom prst="rect">
             <a:avLst/>
@@ -1128,7 +1133,7 @@
         <p:spPr>
           <a:xfrm>
             <a:off x="5152680" y="1768680"/>
-            <a:ext cx="4426920" cy="4384080"/>
+            <a:ext cx="4426920" cy="4383720"/>
           </a:xfrm>
           <a:prstGeom prst="rect">
             <a:avLst/>
@@ -1186,7 +1191,7 @@
         <p:spPr>
           <a:xfrm>
             <a:off x="504000" y="301320"/>
-            <a:ext cx="9071280" cy="1261800"/>
+            <a:ext cx="9070920" cy="1261440"/>
           </a:xfrm>
           <a:prstGeom prst="rect">
             <a:avLst/>
@@ -1223,7 +1228,7 @@
         <p:spPr>
           <a:xfrm>
             <a:off x="504000" y="1768680"/>
-            <a:ext cx="4426920" cy="4384080"/>
+            <a:ext cx="4426920" cy="4383720"/>
           </a:xfrm>
           <a:prstGeom prst="rect">
             <a:avLst/>
@@ -1353,7 +1358,7 @@
         <p:spPr>
           <a:xfrm>
             <a:off x="504000" y="301320"/>
-            <a:ext cx="9071280" cy="1261800"/>
+            <a:ext cx="9070920" cy="1261440"/>
           </a:xfrm>
           <a:prstGeom prst="rect">
             <a:avLst/>
@@ -1462,7 +1467,7 @@
         <p:spPr>
           <a:xfrm>
             <a:off x="504000" y="4058640"/>
-            <a:ext cx="9072000" cy="2090880"/>
+            <a:ext cx="9071640" cy="2090880"/>
           </a:xfrm>
           <a:prstGeom prst="rect">
             <a:avLst/>
@@ -1520,7 +1525,7 @@
         <p:spPr>
           <a:xfrm>
             <a:off x="504000" y="301320"/>
-            <a:ext cx="9071280" cy="1261800"/>
+            <a:ext cx="9070920" cy="1261440"/>
           </a:xfrm>
           <a:prstGeom prst="rect">
             <a:avLst/>
@@ -1557,7 +1562,7 @@
         <p:spPr>
           <a:xfrm>
             <a:off x="504000" y="1768680"/>
-            <a:ext cx="9072000" cy="4384080"/>
+            <a:ext cx="9071640" cy="4383720"/>
           </a:xfrm>
           <a:prstGeom prst="rect">
             <a:avLst/>
@@ -1858,7 +1863,7 @@
         <p:spPr>
           <a:xfrm>
             <a:off x="504000" y="301320"/>
-            <a:ext cx="9071280" cy="1261800"/>
+            <a:ext cx="9070920" cy="1261440"/>
           </a:xfrm>
           <a:prstGeom prst="rect">
             <a:avLst/>
@@ -1893,6 +1898,7 @@
                   </a:solidFill>
                 </a:uFill>
                 <a:latin typeface="Arial"/>
+                <a:ea typeface="DejaVu Sans"/>
               </a:rPr>
               <a:t>Ele é como um angular?</a:t>
             </a:r>
@@ -1919,7 +1925,7 @@
         <p:spPr>
           <a:xfrm>
             <a:off x="504000" y="1769040"/>
-            <a:ext cx="9071280" cy="4384080"/>
+            <a:ext cx="9070920" cy="4383720"/>
           </a:xfrm>
           <a:prstGeom prst="rect">
             <a:avLst/>
@@ -1954,6 +1960,7 @@
                   </a:solidFill>
                 </a:uFill>
                 <a:latin typeface="Arial"/>
+                <a:ea typeface="DejaVu Sans"/>
               </a:rPr>
               <a:t>Definitivamente não, Angular possui um grande ecossistema, por ser um completo Framework.</a:t>
             </a:r>
@@ -2004,6 +2011,7 @@
                   </a:solidFill>
                 </a:uFill>
                 <a:latin typeface="Arial"/>
+                <a:ea typeface="DejaVu Sans"/>
               </a:rPr>
               <a:t>React é apenas uma biblioteca para renderizar componentes.</a:t>
             </a:r>
@@ -2021,15 +2029,169 @@
           </a:p>
         </p:txBody>
       </p:sp>
+    </p:spTree>
+  </p:cSld>
+</p:sld>
+</file>
+
+<file path=ppt/slides/slide10.xml><?xml version="1.0" encoding="utf-8"?>
+<p:sld xmlns:a="http://schemas.openxmlformats.org/drawingml/2006/main" xmlns:p="http://schemas.openxmlformats.org/presentationml/2006/main" xmlns:r="http://schemas.openxmlformats.org/officeDocument/2006/relationships" xmlns:p14="http://schemas.microsoft.com/office/powerpoint/2010/main" xmlns:p15="http://schemas.microsoft.com/office/powerpoint/2012/main" xmlns:mc="http://schemas.openxmlformats.org/markup-compatibility/2006">
+  <p:cSld>
+    <p:spTree>
+      <p:nvGrpSpPr>
+        <p:cNvPr id="1" name=""/>
+        <p:cNvGrpSpPr/>
+        <p:nvPr/>
+      </p:nvGrpSpPr>
+      <p:grpSpPr>
+        <a:xfrm>
+          <a:off x="0" y="0"/>
+          <a:ext cx="0" cy="0"/>
+          <a:chOff x="0" y="0"/>
+          <a:chExt cx="0" cy="0"/>
+        </a:xfrm>
+      </p:grpSpPr>
+      <p:sp>
+        <p:nvSpPr>
+          <p:cNvPr id="58" name="TextShape 1"/>
+          <p:cNvSpPr txBox="1"/>
+          <p:nvPr/>
+        </p:nvSpPr>
+        <p:spPr>
+          <a:xfrm>
+            <a:off x="504000" y="301320"/>
+            <a:ext cx="9070920" cy="1261440"/>
+          </a:xfrm>
+          <a:prstGeom prst="rect">
+            <a:avLst/>
+          </a:prstGeom>
+          <a:noFill/>
+          <a:ln>
+            <a:noFill/>
+          </a:ln>
+        </p:spPr>
+        <p:txBody>
+          <a:bodyPr lIns="0" rIns="0" tIns="0" bIns="0" anchor="ctr"/>
+          <a:p>
+            <a:pPr algn="ctr"/>
+            <a:r>
+              <a:rPr b="0" lang="pt-BR" sz="4400" spc="-1" strike="noStrike">
+                <a:solidFill>
+                  <a:srgbClr val="000000"/>
+                </a:solidFill>
+                <a:uFill>
+                  <a:solidFill>
+                    <a:srgbClr val="ffffff"/>
+                  </a:solidFill>
+                </a:uFill>
+                <a:latin typeface="Arial"/>
+              </a:rPr>
+              <a:t>Comunidade</a:t>
+            </a:r>
+            <a:endParaRPr b="0" lang="pt-BR" sz="4400" spc="-1" strike="noStrike">
+              <a:solidFill>
+                <a:srgbClr val="000000"/>
+              </a:solidFill>
+              <a:uFill>
+                <a:solidFill>
+                  <a:srgbClr val="ffffff"/>
+                </a:solidFill>
+              </a:uFill>
+              <a:latin typeface="Arial"/>
+            </a:endParaRPr>
+          </a:p>
+        </p:txBody>
+      </p:sp>
+      <p:sp>
+        <p:nvSpPr>
+          <p:cNvPr id="59" name="TextShape 2"/>
+          <p:cNvSpPr txBox="1"/>
+          <p:nvPr/>
+        </p:nvSpPr>
+        <p:spPr>
+          <a:xfrm>
+            <a:off x="504000" y="1768680"/>
+            <a:ext cx="4032000" cy="4999320"/>
+          </a:xfrm>
+          <a:prstGeom prst="rect">
+            <a:avLst/>
+          </a:prstGeom>
+          <a:noFill/>
+          <a:ln>
+            <a:noFill/>
+          </a:ln>
+        </p:spPr>
+        <p:txBody>
+          <a:bodyPr lIns="0" rIns="0" tIns="0" bIns="0"/>
+          <a:p>
+            <a:pPr marL="432000" indent="-324000">
+              <a:buClr>
+                <a:srgbClr val="000000"/>
+              </a:buClr>
+              <a:buSzPct val="45000"/>
+              <a:buFont typeface="Wingdings" charset="2"/>
+              <a:buChar char=""/>
+            </a:pPr>
+            <a:r>
+              <a:rPr b="0" lang="pt-BR" sz="3200" spc="-1" strike="noStrike">
+                <a:solidFill>
+                  <a:srgbClr val="000000"/>
+                </a:solidFill>
+                <a:uFill>
+                  <a:solidFill>
+                    <a:srgbClr val="ffffff"/>
+                  </a:solidFill>
+                </a:uFill>
+                <a:latin typeface="Arial"/>
+              </a:rPr>
+              <a:t>React está sendo adotado em diversos lugares no mundo inteiro, principalmente na Europa.</a:t>
+            </a:r>
+            <a:endParaRPr b="0" lang="pt-BR" sz="3200" spc="-1" strike="noStrike">
+              <a:solidFill>
+                <a:srgbClr val="000000"/>
+              </a:solidFill>
+              <a:uFill>
+                <a:solidFill>
+                  <a:srgbClr val="ffffff"/>
+                </a:solidFill>
+              </a:uFill>
+              <a:latin typeface="Arial"/>
+            </a:endParaRPr>
+          </a:p>
+        </p:txBody>
+      </p:sp>
+      <p:pic>
+        <p:nvPicPr>
+          <p:cNvPr id="60" name="" descr=""/>
+          <p:cNvPicPr/>
+          <p:nvPr/>
+        </p:nvPicPr>
+        <p:blipFill>
+          <a:blip r:embed="rId1"/>
+          <a:stretch/>
+        </p:blipFill>
+        <p:spPr>
+          <a:xfrm>
+            <a:off x="5040000" y="1746000"/>
+            <a:ext cx="4761000" cy="4014000"/>
+          </a:xfrm>
+          <a:prstGeom prst="rect">
+            <a:avLst/>
+          </a:prstGeom>
+          <a:ln>
+            <a:noFill/>
+          </a:ln>
+        </p:spPr>
+      </p:pic>
     </p:spTree>
   </p:cSld>
   <p:timing>
     <p:tnLst>
       <p:par>
-        <p:cTn id="1" dur="indefinite" restart="never" nodeType="tmRoot">
+        <p:cTn id="17" dur="indefinite" restart="never" nodeType="tmRoot">
           <p:childTnLst>
             <p:seq>
-              <p:cTn id="2" nodeType="mainSeq"/>
+              <p:cTn id="18" nodeType="mainSeq"/>
               <p:prevCondLst>
                 <p:cond delay="0" evt="onPrev">
                   <p:tgtEl>
@@ -2079,7 +2241,7 @@
         <p:spPr>
           <a:xfrm>
             <a:off x="504000" y="301320"/>
-            <a:ext cx="9071280" cy="1261800"/>
+            <a:ext cx="9070920" cy="1261440"/>
           </a:xfrm>
           <a:prstGeom prst="rect">
             <a:avLst/>
@@ -2114,6 +2276,7 @@
                   </a:solidFill>
                 </a:uFill>
                 <a:latin typeface="Arial"/>
+                <a:ea typeface="DejaVu Sans"/>
               </a:rPr>
               <a:t>Diferenciais</a:t>
             </a:r>
@@ -2140,7 +2303,7 @@
         <p:spPr>
           <a:xfrm>
             <a:off x="504000" y="1769040"/>
-            <a:ext cx="9071280" cy="4384080"/>
+            <a:ext cx="9070920" cy="4383720"/>
           </a:xfrm>
           <a:prstGeom prst="rect">
             <a:avLst/>
@@ -2175,6 +2338,7 @@
                   </a:solidFill>
                 </a:uFill>
                 <a:latin typeface="Arial"/>
+                <a:ea typeface="DejaVu Sans"/>
               </a:rPr>
               <a:t>O Facebook está por trás do desenvolvimento.</a:t>
             </a:r>
@@ -2207,6 +2371,7 @@
                   </a:solidFill>
                 </a:uFill>
                 <a:latin typeface="Arial"/>
+                <a:ea typeface="DejaVu Sans"/>
                 <a:hlinkClick r:id="rId1"/>
               </a:rPr>
               <a:t>https://reactjs.org/blog/2013/06/05/why-react.html</a:t>
@@ -2258,6 +2423,7 @@
                   </a:solidFill>
                 </a:uFill>
                 <a:latin typeface="Arial"/>
+                <a:ea typeface="DejaVu Sans"/>
               </a:rPr>
               <a:t>Ganhou muito apoio da comunidade.</a:t>
             </a:r>
@@ -2280,10 +2446,10 @@
   <p:timing>
     <p:tnLst>
       <p:par>
-        <p:cTn id="3" dur="indefinite" restart="never" nodeType="tmRoot">
+        <p:cTn id="1" dur="indefinite" restart="never" nodeType="tmRoot">
           <p:childTnLst>
             <p:seq>
-              <p:cTn id="4" nodeType="mainSeq"/>
+              <p:cTn id="2" nodeType="mainSeq"/>
               <p:prevCondLst>
                 <p:cond delay="0" evt="onPrev">
                   <p:tgtEl>
@@ -2333,7 +2499,7 @@
         <p:spPr>
           <a:xfrm>
             <a:off x="504000" y="301320"/>
-            <a:ext cx="9071280" cy="1261800"/>
+            <a:ext cx="4392000" cy="1261440"/>
           </a:xfrm>
           <a:prstGeom prst="rect">
             <a:avLst/>
@@ -2368,6 +2534,7 @@
                   </a:solidFill>
                 </a:uFill>
                 <a:latin typeface="Arial"/>
+                <a:ea typeface="DejaVu Sans"/>
               </a:rPr>
               <a:t>Pense como componentes</a:t>
             </a:r>
@@ -2394,7 +2561,7 @@
         <p:spPr>
           <a:xfrm>
             <a:off x="504000" y="1769040"/>
-            <a:ext cx="9071280" cy="4384080"/>
+            <a:ext cx="4752000" cy="5070960"/>
           </a:xfrm>
           <a:prstGeom prst="rect">
             <a:avLst/>
@@ -2429,6 +2596,7 @@
                   </a:solidFill>
                 </a:uFill>
                 <a:latin typeface="Arial"/>
+                <a:ea typeface="DejaVu Sans"/>
               </a:rPr>
               <a:t>Um dos principios Solid é o príncipio da responsabilidade única.</a:t>
             </a:r>
@@ -2479,8 +2647,9 @@
                   </a:solidFill>
                 </a:uFill>
                 <a:latin typeface="Arial"/>
+                <a:ea typeface="DejaVu Sans"/>
               </a:rPr>
-              <a:t>Um componente deverá ter apenas uma funcionalidade específica.</a:t>
+              <a:t>Um componente deverá ter apenas uma funcionalidade específica, evitando a baguncinha.</a:t>
             </a:r>
             <a:endParaRPr b="0" lang="pt-BR" sz="1800" spc="-1" strike="noStrike">
               <a:solidFill>
@@ -2529,6 +2698,7 @@
                   </a:solidFill>
                 </a:uFill>
                 <a:latin typeface="Arial"/>
+                <a:ea typeface="DejaVu Sans"/>
               </a:rPr>
               <a:t>https://reactjs.org/docs/thinking-in-react.html</a:t>
             </a:r>
@@ -2546,15 +2716,38 @@
           </a:p>
         </p:txBody>
       </p:sp>
+      <p:pic>
+        <p:nvPicPr>
+          <p:cNvPr id="42" name="" descr=""/>
+          <p:cNvPicPr/>
+          <p:nvPr/>
+        </p:nvPicPr>
+        <p:blipFill>
+          <a:blip r:embed="rId1"/>
+          <a:stretch/>
+        </p:blipFill>
+        <p:spPr>
+          <a:xfrm>
+            <a:off x="5937120" y="216000"/>
+            <a:ext cx="3926880" cy="6930000"/>
+          </a:xfrm>
+          <a:prstGeom prst="rect">
+            <a:avLst/>
+          </a:prstGeom>
+          <a:ln>
+            <a:noFill/>
+          </a:ln>
+        </p:spPr>
+      </p:pic>
     </p:spTree>
   </p:cSld>
   <p:timing>
     <p:tnLst>
       <p:par>
-        <p:cTn id="5" dur="indefinite" restart="never" nodeType="tmRoot">
+        <p:cTn id="3" dur="indefinite" restart="never" nodeType="tmRoot">
           <p:childTnLst>
             <p:seq>
-              <p:cTn id="6" nodeType="mainSeq"/>
+              <p:cTn id="4" nodeType="mainSeq"/>
               <p:prevCondLst>
                 <p:cond delay="0" evt="onPrev">
                   <p:tgtEl>
@@ -2597,14 +2790,14 @@
       </p:grpSpPr>
       <p:sp>
         <p:nvSpPr>
-          <p:cNvPr id="42" name="CustomShape 1"/>
+          <p:cNvPr id="43" name="CustomShape 1"/>
           <p:cNvSpPr/>
           <p:nvPr/>
         </p:nvSpPr>
         <p:spPr>
           <a:xfrm>
             <a:off x="504000" y="301320"/>
-            <a:ext cx="9071280" cy="1261800"/>
+            <a:ext cx="9070920" cy="1261440"/>
           </a:xfrm>
           <a:prstGeom prst="rect">
             <a:avLst/>
@@ -2639,6 +2832,7 @@
                   </a:solidFill>
                 </a:uFill>
                 <a:latin typeface="Arial"/>
+                <a:ea typeface="DejaVu Sans"/>
               </a:rPr>
               <a:t>Expo</a:t>
             </a:r>
@@ -2658,14 +2852,14 @@
       </p:sp>
       <p:sp>
         <p:nvSpPr>
-          <p:cNvPr id="43" name="CustomShape 2"/>
+          <p:cNvPr id="44" name="CustomShape 2"/>
           <p:cNvSpPr/>
           <p:nvPr/>
         </p:nvSpPr>
         <p:spPr>
           <a:xfrm>
             <a:off x="504000" y="1769040"/>
-            <a:ext cx="9071280" cy="4384080"/>
+            <a:ext cx="9070920" cy="4383720"/>
           </a:xfrm>
           <a:prstGeom prst="rect">
             <a:avLst/>
@@ -2700,6 +2894,7 @@
                   </a:solidFill>
                 </a:uFill>
                 <a:latin typeface="Arial"/>
+                <a:ea typeface="DejaVu Sans"/>
               </a:rPr>
               <a:t>Teste seus apps pelo navegador, com direito a camera, push notification ..etc</a:t>
             </a:r>
@@ -2750,6 +2945,7 @@
                   </a:solidFill>
                 </a:uFill>
                 <a:latin typeface="Arial"/>
+                <a:ea typeface="DejaVu Sans"/>
               </a:rPr>
               <a:t>https://expo.io/</a:t>
             </a:r>
@@ -2772,10 +2968,10 @@
   <p:timing>
     <p:tnLst>
       <p:par>
-        <p:cTn id="7" dur="indefinite" restart="never" nodeType="tmRoot">
+        <p:cTn id="5" dur="indefinite" restart="never" nodeType="tmRoot">
           <p:childTnLst>
             <p:seq>
-              <p:cTn id="8" nodeType="mainSeq"/>
+              <p:cTn id="6" nodeType="mainSeq"/>
               <p:prevCondLst>
                 <p:cond delay="0" evt="onPrev">
                   <p:tgtEl>
@@ -2816,16 +3012,39 @@
           <a:chExt cx="0" cy="0"/>
         </a:xfrm>
       </p:grpSpPr>
-      <p:sp>
-        <p:nvSpPr>
-          <p:cNvPr id="44" name="CustomShape 1"/>
-          <p:cNvSpPr/>
+      <p:pic>
+        <p:nvPicPr>
+          <p:cNvPr id="45" name="" descr=""/>
+          <p:cNvPicPr/>
           <p:nvPr/>
-        </p:nvSpPr>
-        <p:spPr>
-          <a:xfrm>
-            <a:off x="504000" y="301320"/>
-            <a:ext cx="9071280" cy="1261800"/>
+        </p:nvPicPr>
+        <p:blipFill>
+          <a:blip r:embed="rId1"/>
+          <a:stretch/>
+        </p:blipFill>
+        <p:spPr>
+          <a:xfrm>
+            <a:off x="287280" y="1800000"/>
+            <a:ext cx="9576720" cy="3804840"/>
+          </a:xfrm>
+          <a:prstGeom prst="rect">
+            <a:avLst/>
+          </a:prstGeom>
+          <a:ln>
+            <a:noFill/>
+          </a:ln>
+        </p:spPr>
+      </p:pic>
+      <p:sp>
+        <p:nvSpPr>
+          <p:cNvPr id="46" name="TextShape 1"/>
+          <p:cNvSpPr txBox="1"/>
+          <p:nvPr/>
+        </p:nvSpPr>
+        <p:spPr>
+          <a:xfrm>
+            <a:off x="1152000" y="288000"/>
+            <a:ext cx="8208000" cy="936000"/>
           </a:xfrm>
           <a:prstGeom prst="rect">
             <a:avLst/>
@@ -2835,14 +3054,8 @@
             <a:noFill/>
           </a:ln>
         </p:spPr>
-        <p:style>
-          <a:lnRef idx="0"/>
-          <a:fillRef idx="0"/>
-          <a:effectRef idx="0"/>
-          <a:fontRef idx="minor"/>
-        </p:style>
-        <p:txBody>
-          <a:bodyPr lIns="0" rIns="0" tIns="0" bIns="0" anchor="ctr"/>
+        <p:txBody>
+          <a:bodyPr lIns="90000" rIns="90000" tIns="45000" bIns="45000"/>
           <a:p>
             <a:pPr algn="ctr">
               <a:lnSpc>
@@ -2860,8 +3073,9 @@
                   </a:solidFill>
                 </a:uFill>
                 <a:latin typeface="Arial"/>
+                <a:ea typeface="DejaVu Sans"/>
               </a:rPr>
-              <a:t>Montando ambiente</a:t>
+              <a:t>Comparando tendencia Google</a:t>
             </a:r>
             <a:endParaRPr b="0" lang="pt-BR" sz="1800" spc="-1" strike="noStrike">
               <a:solidFill>
@@ -2877,16 +3091,65 @@
           </a:p>
         </p:txBody>
       </p:sp>
-      <p:sp>
-        <p:nvSpPr>
-          <p:cNvPr id="45" name="CustomShape 2"/>
-          <p:cNvSpPr/>
+    </p:spTree>
+  </p:cSld>
+  <p:timing>
+    <p:tnLst>
+      <p:par>
+        <p:cTn id="7" dur="indefinite" restart="never" nodeType="tmRoot">
+          <p:childTnLst>
+            <p:seq>
+              <p:cTn id="8" nodeType="mainSeq"/>
+              <p:prevCondLst>
+                <p:cond delay="0" evt="onPrev">
+                  <p:tgtEl>
+                    <p:sldTgt/>
+                  </p:tgtEl>
+                </p:cond>
+              </p:prevCondLst>
+              <p:nextCondLst>
+                <p:cond delay="0" evt="onNext">
+                  <p:tgtEl>
+                    <p:sldTgt/>
+                  </p:tgtEl>
+                </p:cond>
+              </p:nextCondLst>
+            </p:seq>
+          </p:childTnLst>
+        </p:cTn>
+      </p:par>
+    </p:tnLst>
+  </p:timing>
+</p:sld>
+</file>
+
+<file path=ppt/slides/slide6.xml><?xml version="1.0" encoding="utf-8"?>
+<p:sld xmlns:a="http://schemas.openxmlformats.org/drawingml/2006/main" xmlns:p="http://schemas.openxmlformats.org/presentationml/2006/main" xmlns:r="http://schemas.openxmlformats.org/officeDocument/2006/relationships" xmlns:p14="http://schemas.microsoft.com/office/powerpoint/2010/main" xmlns:p15="http://schemas.microsoft.com/office/powerpoint/2012/main" xmlns:mc="http://schemas.openxmlformats.org/markup-compatibility/2006">
+  <p:cSld>
+    <p:spTree>
+      <p:nvGrpSpPr>
+        <p:cNvPr id="1" name=""/>
+        <p:cNvGrpSpPr/>
+        <p:nvPr/>
+      </p:nvGrpSpPr>
+      <p:grpSpPr>
+        <a:xfrm>
+          <a:off x="0" y="0"/>
+          <a:ext cx="0" cy="0"/>
+          <a:chOff x="0" y="0"/>
+          <a:chExt cx="0" cy="0"/>
+        </a:xfrm>
+      </p:grpSpPr>
+      <p:sp>
+        <p:nvSpPr>
+          <p:cNvPr id="47" name="TextShape 1"/>
+          <p:cNvSpPr txBox="1"/>
           <p:nvPr/>
         </p:nvSpPr>
         <p:spPr>
           <a:xfrm>
-            <a:off x="504000" y="1769040"/>
-            <a:ext cx="9071280" cy="4384080"/>
+            <a:off x="1152000" y="504000"/>
+            <a:ext cx="8208000" cy="936000"/>
           </a:xfrm>
           <a:prstGeom prst="rect">
             <a:avLst/>
@@ -2896,14 +3159,8 @@
             <a:noFill/>
           </a:ln>
         </p:spPr>
-        <p:style>
-          <a:lnRef idx="0"/>
-          <a:fillRef idx="0"/>
-          <a:effectRef idx="0"/>
-          <a:fontRef idx="minor"/>
-        </p:style>
-        <p:txBody>
-          <a:bodyPr lIns="0" rIns="0" tIns="0" bIns="0" anchor="ctr"/>
+        <p:txBody>
+          <a:bodyPr lIns="90000" rIns="90000" tIns="45000" bIns="45000"/>
           <a:p>
             <a:pPr algn="ctr">
               <a:lnSpc>
@@ -2911,7 +3168,7 @@
               </a:lnSpc>
             </a:pPr>
             <a:r>
-              <a:rPr b="0" lang="pt-BR" sz="3200" spc="-1" strike="noStrike">
+              <a:rPr b="0" lang="pt-BR" sz="4400" spc="-1" strike="noStrike">
                 <a:solidFill>
                   <a:srgbClr val="000000"/>
                 </a:solidFill>
@@ -2921,8 +3178,9 @@
                   </a:solidFill>
                 </a:uFill>
                 <a:latin typeface="Arial"/>
+                <a:ea typeface="DejaVu Sans"/>
               </a:rPr>
-              <a:t>O mundo ideal é desenvolver para ambas as plataformas, porém vamos centralizar no Android.</a:t>
+              <a:t>Ciclo de Vida</a:t>
             </a:r>
             <a:endParaRPr b="0" lang="pt-BR" sz="1800" spc="-1" strike="noStrike">
               <a:solidFill>
@@ -2936,58 +3194,31 @@
               <a:latin typeface="Arial"/>
             </a:endParaRPr>
           </a:p>
-          <a:p>
-            <a:pPr algn="ctr">
-              <a:lnSpc>
-                <a:spcPct val="100000"/>
-              </a:lnSpc>
-            </a:pPr>
-            <a:endParaRPr b="0" lang="pt-BR" sz="1800" spc="-1" strike="noStrike">
-              <a:solidFill>
-                <a:srgbClr val="000000"/>
-              </a:solidFill>
-              <a:uFill>
-                <a:solidFill>
-                  <a:srgbClr val="ffffff"/>
-                </a:solidFill>
-              </a:uFill>
-              <a:latin typeface="Arial"/>
-            </a:endParaRPr>
-          </a:p>
-          <a:p>
-            <a:pPr algn="ctr">
-              <a:lnSpc>
-                <a:spcPct val="100000"/>
-              </a:lnSpc>
-            </a:pPr>
-            <a:r>
-              <a:rPr b="0" lang="pt-BR" sz="3200" spc="-1" strike="noStrike">
-                <a:solidFill>
-                  <a:srgbClr val="000000"/>
-                </a:solidFill>
-                <a:uFill>
-                  <a:solidFill>
-                    <a:srgbClr val="ffffff"/>
-                  </a:solidFill>
-                </a:uFill>
-                <a:latin typeface="Arial"/>
-              </a:rPr>
-              <a:t>Tenha instalado</a:t>
-            </a:r>
-            <a:endParaRPr b="0" lang="pt-BR" sz="1800" spc="-1" strike="noStrike">
-              <a:solidFill>
-                <a:srgbClr val="000000"/>
-              </a:solidFill>
-              <a:uFill>
-                <a:solidFill>
-                  <a:srgbClr val="ffffff"/>
-                </a:solidFill>
-              </a:uFill>
-              <a:latin typeface="Arial"/>
-            </a:endParaRPr>
-          </a:p>
-        </p:txBody>
-      </p:sp>
+        </p:txBody>
+      </p:sp>
+      <p:pic>
+        <p:nvPicPr>
+          <p:cNvPr id="48" name="" descr=""/>
+          <p:cNvPicPr/>
+          <p:nvPr/>
+        </p:nvPicPr>
+        <p:blipFill>
+          <a:blip r:embed="rId1"/>
+          <a:stretch/>
+        </p:blipFill>
+        <p:spPr>
+          <a:xfrm>
+            <a:off x="-12240" y="1728000"/>
+            <a:ext cx="10236240" cy="4728600"/>
+          </a:xfrm>
+          <a:prstGeom prst="rect">
+            <a:avLst/>
+          </a:prstGeom>
+          <a:ln>
+            <a:noFill/>
+          </a:ln>
+        </p:spPr>
+      </p:pic>
     </p:spTree>
   </p:cSld>
   <p:timing>
@@ -2997,6 +3228,484 @@
           <p:childTnLst>
             <p:seq>
               <p:cTn id="10" nodeType="mainSeq"/>
+              <p:prevCondLst>
+                <p:cond delay="0" evt="onPrev">
+                  <p:tgtEl>
+                    <p:sldTgt/>
+                  </p:tgtEl>
+                </p:cond>
+              </p:prevCondLst>
+              <p:nextCondLst>
+                <p:cond delay="0" evt="onNext">
+                  <p:tgtEl>
+                    <p:sldTgt/>
+                  </p:tgtEl>
+                </p:cond>
+              </p:nextCondLst>
+            </p:seq>
+          </p:childTnLst>
+        </p:cTn>
+      </p:par>
+    </p:tnLst>
+  </p:timing>
+</p:sld>
+</file>
+
+<file path=ppt/slides/slide7.xml><?xml version="1.0" encoding="utf-8"?>
+<p:sld xmlns:a="http://schemas.openxmlformats.org/drawingml/2006/main" xmlns:p="http://schemas.openxmlformats.org/presentationml/2006/main" xmlns:r="http://schemas.openxmlformats.org/officeDocument/2006/relationships" xmlns:p14="http://schemas.microsoft.com/office/powerpoint/2010/main" xmlns:p15="http://schemas.microsoft.com/office/powerpoint/2012/main" xmlns:mc="http://schemas.openxmlformats.org/markup-compatibility/2006">
+  <p:cSld>
+    <p:spTree>
+      <p:nvGrpSpPr>
+        <p:cNvPr id="1" name=""/>
+        <p:cNvGrpSpPr/>
+        <p:nvPr/>
+      </p:nvGrpSpPr>
+      <p:grpSpPr>
+        <a:xfrm>
+          <a:off x="0" y="0"/>
+          <a:ext cx="0" cy="0"/>
+          <a:chOff x="0" y="0"/>
+          <a:chExt cx="0" cy="0"/>
+        </a:xfrm>
+      </p:grpSpPr>
+      <p:sp>
+        <p:nvSpPr>
+          <p:cNvPr id="49" name="TextShape 1"/>
+          <p:cNvSpPr txBox="1"/>
+          <p:nvPr/>
+        </p:nvSpPr>
+        <p:spPr>
+          <a:xfrm>
+            <a:off x="1152000" y="504000"/>
+            <a:ext cx="8208000" cy="936000"/>
+          </a:xfrm>
+          <a:prstGeom prst="rect">
+            <a:avLst/>
+          </a:prstGeom>
+          <a:noFill/>
+          <a:ln>
+            <a:noFill/>
+          </a:ln>
+        </p:spPr>
+        <p:txBody>
+          <a:bodyPr lIns="90000" rIns="90000" tIns="45000" bIns="45000"/>
+          <a:p>
+            <a:pPr algn="ctr">
+              <a:lnSpc>
+                <a:spcPct val="100000"/>
+              </a:lnSpc>
+            </a:pPr>
+            <a:r>
+              <a:rPr b="0" lang="pt-BR" sz="4400" spc="-1" strike="noStrike">
+                <a:solidFill>
+                  <a:srgbClr val="000000"/>
+                </a:solidFill>
+                <a:uFill>
+                  <a:solidFill>
+                    <a:srgbClr val="ffffff"/>
+                  </a:solidFill>
+                </a:uFill>
+                <a:latin typeface="Arial"/>
+                <a:ea typeface="DejaVu Sans"/>
+              </a:rPr>
+              <a:t>Ciclo de Vida</a:t>
+            </a:r>
+            <a:endParaRPr b="0" lang="pt-BR" sz="1800" spc="-1" strike="noStrike">
+              <a:solidFill>
+                <a:srgbClr val="000000"/>
+              </a:solidFill>
+              <a:uFill>
+                <a:solidFill>
+                  <a:srgbClr val="ffffff"/>
+                </a:solidFill>
+              </a:uFill>
+              <a:latin typeface="Arial"/>
+            </a:endParaRPr>
+          </a:p>
+        </p:txBody>
+      </p:sp>
+      <p:pic>
+        <p:nvPicPr>
+          <p:cNvPr id="50" name="" descr=""/>
+          <p:cNvPicPr/>
+          <p:nvPr/>
+        </p:nvPicPr>
+        <p:blipFill>
+          <a:blip r:embed="rId1"/>
+          <a:stretch/>
+        </p:blipFill>
+        <p:spPr>
+          <a:xfrm>
+            <a:off x="360" y="1362960"/>
+            <a:ext cx="10080360" cy="5477040"/>
+          </a:xfrm>
+          <a:prstGeom prst="rect">
+            <a:avLst/>
+          </a:prstGeom>
+          <a:ln>
+            <a:noFill/>
+          </a:ln>
+        </p:spPr>
+      </p:pic>
+    </p:spTree>
+  </p:cSld>
+  <p:timing>
+    <p:tnLst>
+      <p:par>
+        <p:cTn id="11" dur="indefinite" restart="never" nodeType="tmRoot">
+          <p:childTnLst>
+            <p:seq>
+              <p:cTn id="12" nodeType="mainSeq"/>
+              <p:prevCondLst>
+                <p:cond delay="0" evt="onPrev">
+                  <p:tgtEl>
+                    <p:sldTgt/>
+                  </p:tgtEl>
+                </p:cond>
+              </p:prevCondLst>
+              <p:nextCondLst>
+                <p:cond delay="0" evt="onNext">
+                  <p:tgtEl>
+                    <p:sldTgt/>
+                  </p:tgtEl>
+                </p:cond>
+              </p:nextCondLst>
+            </p:seq>
+          </p:childTnLst>
+        </p:cTn>
+      </p:par>
+    </p:tnLst>
+  </p:timing>
+</p:sld>
+</file>
+
+<file path=ppt/slides/slide8.xml><?xml version="1.0" encoding="utf-8"?>
+<p:sld xmlns:a="http://schemas.openxmlformats.org/drawingml/2006/main" xmlns:p="http://schemas.openxmlformats.org/presentationml/2006/main" xmlns:r="http://schemas.openxmlformats.org/officeDocument/2006/relationships" xmlns:p14="http://schemas.microsoft.com/office/powerpoint/2010/main" xmlns:p15="http://schemas.microsoft.com/office/powerpoint/2012/main" xmlns:mc="http://schemas.openxmlformats.org/markup-compatibility/2006">
+  <p:cSld>
+    <p:spTree>
+      <p:nvGrpSpPr>
+        <p:cNvPr id="1" name=""/>
+        <p:cNvGrpSpPr/>
+        <p:nvPr/>
+      </p:nvGrpSpPr>
+      <p:grpSpPr>
+        <a:xfrm>
+          <a:off x="0" y="0"/>
+          <a:ext cx="0" cy="0"/>
+          <a:chOff x="0" y="0"/>
+          <a:chExt cx="0" cy="0"/>
+        </a:xfrm>
+      </p:grpSpPr>
+      <p:sp>
+        <p:nvSpPr>
+          <p:cNvPr id="51" name="TextShape 1"/>
+          <p:cNvSpPr txBox="1"/>
+          <p:nvPr/>
+        </p:nvSpPr>
+        <p:spPr>
+          <a:xfrm>
+            <a:off x="504000" y="301320"/>
+            <a:ext cx="9070920" cy="1261440"/>
+          </a:xfrm>
+          <a:prstGeom prst="rect">
+            <a:avLst/>
+          </a:prstGeom>
+          <a:noFill/>
+          <a:ln>
+            <a:noFill/>
+          </a:ln>
+        </p:spPr>
+        <p:txBody>
+          <a:bodyPr lIns="0" rIns="0" tIns="0" bIns="0" anchor="ctr"/>
+          <a:p>
+            <a:pPr algn="ctr"/>
+            <a:r>
+              <a:rPr b="0" lang="pt-BR" sz="4400" spc="-1" strike="noStrike">
+                <a:solidFill>
+                  <a:srgbClr val="000000"/>
+                </a:solidFill>
+                <a:uFill>
+                  <a:solidFill>
+                    <a:srgbClr val="ffffff"/>
+                  </a:solidFill>
+                </a:uFill>
+                <a:latin typeface="Arial"/>
+              </a:rPr>
+              <a:t>Envolve outras tecnologias</a:t>
+            </a:r>
+            <a:endParaRPr b="0" lang="pt-BR" sz="4400" spc="-1" strike="noStrike">
+              <a:solidFill>
+                <a:srgbClr val="000000"/>
+              </a:solidFill>
+              <a:uFill>
+                <a:solidFill>
+                  <a:srgbClr val="ffffff"/>
+                </a:solidFill>
+              </a:uFill>
+              <a:latin typeface="Arial"/>
+            </a:endParaRPr>
+          </a:p>
+        </p:txBody>
+      </p:sp>
+      <p:pic>
+        <p:nvPicPr>
+          <p:cNvPr id="52" name="" descr=""/>
+          <p:cNvPicPr/>
+          <p:nvPr/>
+        </p:nvPicPr>
+        <p:blipFill>
+          <a:blip r:embed="rId1"/>
+          <a:stretch/>
+        </p:blipFill>
+        <p:spPr>
+          <a:xfrm>
+            <a:off x="430200" y="3384000"/>
+            <a:ext cx="2809800" cy="3206880"/>
+          </a:xfrm>
+          <a:prstGeom prst="rect">
+            <a:avLst/>
+          </a:prstGeom>
+          <a:ln>
+            <a:noFill/>
+          </a:ln>
+        </p:spPr>
+      </p:pic>
+      <p:pic>
+        <p:nvPicPr>
+          <p:cNvPr id="53" name="" descr=""/>
+          <p:cNvPicPr/>
+          <p:nvPr/>
+        </p:nvPicPr>
+        <p:blipFill>
+          <a:blip r:embed="rId2"/>
+          <a:stretch/>
+        </p:blipFill>
+        <p:spPr>
+          <a:xfrm>
+            <a:off x="4968000" y="2208600"/>
+            <a:ext cx="4722840" cy="1895400"/>
+          </a:xfrm>
+          <a:prstGeom prst="rect">
+            <a:avLst/>
+          </a:prstGeom>
+          <a:ln>
+            <a:noFill/>
+          </a:ln>
+        </p:spPr>
+      </p:pic>
+      <p:pic>
+        <p:nvPicPr>
+          <p:cNvPr id="54" name="" descr=""/>
+          <p:cNvPicPr/>
+          <p:nvPr/>
+        </p:nvPicPr>
+        <p:blipFill>
+          <a:blip r:embed="rId3"/>
+          <a:stretch/>
+        </p:blipFill>
+        <p:spPr>
+          <a:xfrm>
+            <a:off x="4176000" y="4574160"/>
+            <a:ext cx="5539680" cy="2769840"/>
+          </a:xfrm>
+          <a:prstGeom prst="rect">
+            <a:avLst/>
+          </a:prstGeom>
+          <a:ln>
+            <a:noFill/>
+          </a:ln>
+        </p:spPr>
+      </p:pic>
+      <p:pic>
+        <p:nvPicPr>
+          <p:cNvPr id="55" name="" descr=""/>
+          <p:cNvPicPr/>
+          <p:nvPr/>
+        </p:nvPicPr>
+        <p:blipFill>
+          <a:blip r:embed="rId4"/>
+          <a:stretch/>
+        </p:blipFill>
+        <p:spPr>
+          <a:xfrm>
+            <a:off x="144000" y="1584000"/>
+            <a:ext cx="4500000" cy="1519920"/>
+          </a:xfrm>
+          <a:prstGeom prst="rect">
+            <a:avLst/>
+          </a:prstGeom>
+          <a:ln>
+            <a:noFill/>
+          </a:ln>
+        </p:spPr>
+      </p:pic>
+    </p:spTree>
+  </p:cSld>
+  <p:timing>
+    <p:tnLst>
+      <p:par>
+        <p:cTn id="13" dur="indefinite" restart="never" nodeType="tmRoot">
+          <p:childTnLst>
+            <p:seq>
+              <p:cTn id="14" nodeType="mainSeq"/>
+              <p:prevCondLst>
+                <p:cond delay="0" evt="onPrev">
+                  <p:tgtEl>
+                    <p:sldTgt/>
+                  </p:tgtEl>
+                </p:cond>
+              </p:prevCondLst>
+              <p:nextCondLst>
+                <p:cond delay="0" evt="onNext">
+                  <p:tgtEl>
+                    <p:sldTgt/>
+                  </p:tgtEl>
+                </p:cond>
+              </p:nextCondLst>
+            </p:seq>
+          </p:childTnLst>
+        </p:cTn>
+      </p:par>
+    </p:tnLst>
+  </p:timing>
+</p:sld>
+</file>
+
+<file path=ppt/slides/slide9.xml><?xml version="1.0" encoding="utf-8"?>
+<p:sld xmlns:a="http://schemas.openxmlformats.org/drawingml/2006/main" xmlns:p="http://schemas.openxmlformats.org/presentationml/2006/main" xmlns:r="http://schemas.openxmlformats.org/officeDocument/2006/relationships" xmlns:p14="http://schemas.microsoft.com/office/powerpoint/2010/main" xmlns:p15="http://schemas.microsoft.com/office/powerpoint/2012/main" xmlns:mc="http://schemas.openxmlformats.org/markup-compatibility/2006">
+  <p:cSld>
+    <p:spTree>
+      <p:nvGrpSpPr>
+        <p:cNvPr id="1" name=""/>
+        <p:cNvGrpSpPr/>
+        <p:nvPr/>
+      </p:nvGrpSpPr>
+      <p:grpSpPr>
+        <a:xfrm>
+          <a:off x="0" y="0"/>
+          <a:ext cx="0" cy="0"/>
+          <a:chOff x="0" y="0"/>
+          <a:chExt cx="0" cy="0"/>
+        </a:xfrm>
+      </p:grpSpPr>
+      <p:sp>
+        <p:nvSpPr>
+          <p:cNvPr id="56" name="TextShape 1"/>
+          <p:cNvSpPr txBox="1"/>
+          <p:nvPr/>
+        </p:nvSpPr>
+        <p:spPr>
+          <a:xfrm>
+            <a:off x="504000" y="301320"/>
+            <a:ext cx="9070920" cy="1261440"/>
+          </a:xfrm>
+          <a:prstGeom prst="rect">
+            <a:avLst/>
+          </a:prstGeom>
+          <a:noFill/>
+          <a:ln>
+            <a:noFill/>
+          </a:ln>
+        </p:spPr>
+        <p:txBody>
+          <a:bodyPr lIns="0" rIns="0" tIns="0" bIns="0" anchor="ctr"/>
+          <a:p>
+            <a:pPr algn="ctr"/>
+            <a:r>
+              <a:rPr b="0" lang="pt-BR" sz="4400" spc="-1" strike="noStrike">
+                <a:solidFill>
+                  <a:srgbClr val="000000"/>
+                </a:solidFill>
+                <a:uFill>
+                  <a:solidFill>
+                    <a:srgbClr val="ffffff"/>
+                  </a:solidFill>
+                </a:uFill>
+                <a:latin typeface="Arial"/>
+              </a:rPr>
+              <a:t>Emprego</a:t>
+            </a:r>
+            <a:endParaRPr b="0" lang="pt-BR" sz="4400" spc="-1" strike="noStrike">
+              <a:solidFill>
+                <a:srgbClr val="000000"/>
+              </a:solidFill>
+              <a:uFill>
+                <a:solidFill>
+                  <a:srgbClr val="ffffff"/>
+                </a:solidFill>
+              </a:uFill>
+              <a:latin typeface="Arial"/>
+            </a:endParaRPr>
+          </a:p>
+        </p:txBody>
+      </p:sp>
+      <p:sp>
+        <p:nvSpPr>
+          <p:cNvPr id="57" name="TextShape 2"/>
+          <p:cNvSpPr txBox="1"/>
+          <p:nvPr/>
+        </p:nvSpPr>
+        <p:spPr>
+          <a:xfrm>
+            <a:off x="504000" y="1768680"/>
+            <a:ext cx="9071640" cy="4383720"/>
+          </a:xfrm>
+          <a:prstGeom prst="rect">
+            <a:avLst/>
+          </a:prstGeom>
+          <a:noFill/>
+          <a:ln>
+            <a:noFill/>
+          </a:ln>
+        </p:spPr>
+        <p:txBody>
+          <a:bodyPr lIns="0" rIns="0" tIns="0" bIns="0"/>
+          <a:p>
+            <a:pPr marL="432000" indent="-324000">
+              <a:buClr>
+                <a:srgbClr val="000000"/>
+              </a:buClr>
+              <a:buSzPct val="45000"/>
+              <a:buFont typeface="Wingdings" charset="2"/>
+              <a:buChar char=""/>
+            </a:pPr>
+            <a:r>
+              <a:rPr b="0" lang="pt-BR" sz="3200" spc="-1" strike="noStrike">
+                <a:solidFill>
+                  <a:srgbClr val="000000"/>
+                </a:solidFill>
+                <a:uFill>
+                  <a:solidFill>
+                    <a:srgbClr val="ffffff"/>
+                  </a:solidFill>
+                </a:uFill>
+                <a:latin typeface="Arial"/>
+              </a:rPr>
+              <a:t>React Native está sendo adotado em muitos lugares no mundo inteiro, principalmente na Europa.</a:t>
+            </a:r>
+            <a:endParaRPr b="0" lang="pt-BR" sz="3200" spc="-1" strike="noStrike">
+              <a:solidFill>
+                <a:srgbClr val="000000"/>
+              </a:solidFill>
+              <a:uFill>
+                <a:solidFill>
+                  <a:srgbClr val="ffffff"/>
+                </a:solidFill>
+              </a:uFill>
+              <a:latin typeface="Arial"/>
+            </a:endParaRPr>
+          </a:p>
+        </p:txBody>
+      </p:sp>
+    </p:spTree>
+  </p:cSld>
+  <p:timing>
+    <p:tnLst>
+      <p:par>
+        <p:cTn id="15" dur="indefinite" restart="never" nodeType="tmRoot">
+          <p:childTnLst>
+            <p:seq>
+              <p:cTn id="16" nodeType="mainSeq"/>
               <p:prevCondLst>
                 <p:cond delay="0" evt="onPrev">
                   <p:tgtEl>
